--- a/Big data Learning/Learn from azure.pptx
+++ b/Big data Learning/Learn from azure.pptx
@@ -12,6 +12,7 @@
     <p:sldId id="259" r:id="rId6"/>
     <p:sldId id="260" r:id="rId7"/>
     <p:sldId id="261" r:id="rId8"/>
+    <p:sldId id="263" r:id="rId9"/>
   </p:sldIdLst>
   <p:sldSz cx="12192000" cy="6858000"/>
   <p:notesSz cx="6858000" cy="9144000"/>
@@ -249,7 +250,7 @@
           <a:p>
             <a:fld id="{5C50EC8F-F811-4795-AFF2-54C8E0E86AFD}" type="datetimeFigureOut">
               <a:rPr lang="en-US" smtClean="0"/>
-              <a:t>10/13/2015</a:t>
+              <a:t>10/16/2015</a:t>
             </a:fld>
             <a:endParaRPr lang="en-US"/>
           </a:p>
@@ -419,7 +420,7 @@
           <a:p>
             <a:fld id="{5C50EC8F-F811-4795-AFF2-54C8E0E86AFD}" type="datetimeFigureOut">
               <a:rPr lang="en-US" smtClean="0"/>
-              <a:t>10/13/2015</a:t>
+              <a:t>10/16/2015</a:t>
             </a:fld>
             <a:endParaRPr lang="en-US"/>
           </a:p>
@@ -599,7 +600,7 @@
           <a:p>
             <a:fld id="{5C50EC8F-F811-4795-AFF2-54C8E0E86AFD}" type="datetimeFigureOut">
               <a:rPr lang="en-US" smtClean="0"/>
-              <a:t>10/13/2015</a:t>
+              <a:t>10/16/2015</a:t>
             </a:fld>
             <a:endParaRPr lang="en-US"/>
           </a:p>
@@ -769,7 +770,7 @@
           <a:p>
             <a:fld id="{5C50EC8F-F811-4795-AFF2-54C8E0E86AFD}" type="datetimeFigureOut">
               <a:rPr lang="en-US" smtClean="0"/>
-              <a:t>10/13/2015</a:t>
+              <a:t>10/16/2015</a:t>
             </a:fld>
             <a:endParaRPr lang="en-US"/>
           </a:p>
@@ -1015,7 +1016,7 @@
           <a:p>
             <a:fld id="{5C50EC8F-F811-4795-AFF2-54C8E0E86AFD}" type="datetimeFigureOut">
               <a:rPr lang="en-US" smtClean="0"/>
-              <a:t>10/13/2015</a:t>
+              <a:t>10/16/2015</a:t>
             </a:fld>
             <a:endParaRPr lang="en-US"/>
           </a:p>
@@ -1247,7 +1248,7 @@
           <a:p>
             <a:fld id="{5C50EC8F-F811-4795-AFF2-54C8E0E86AFD}" type="datetimeFigureOut">
               <a:rPr lang="en-US" smtClean="0"/>
-              <a:t>10/13/2015</a:t>
+              <a:t>10/16/2015</a:t>
             </a:fld>
             <a:endParaRPr lang="en-US"/>
           </a:p>
@@ -1614,7 +1615,7 @@
           <a:p>
             <a:fld id="{5C50EC8F-F811-4795-AFF2-54C8E0E86AFD}" type="datetimeFigureOut">
               <a:rPr lang="en-US" smtClean="0"/>
-              <a:t>10/13/2015</a:t>
+              <a:t>10/16/2015</a:t>
             </a:fld>
             <a:endParaRPr lang="en-US"/>
           </a:p>
@@ -1732,7 +1733,7 @@
           <a:p>
             <a:fld id="{5C50EC8F-F811-4795-AFF2-54C8E0E86AFD}" type="datetimeFigureOut">
               <a:rPr lang="en-US" smtClean="0"/>
-              <a:t>10/13/2015</a:t>
+              <a:t>10/16/2015</a:t>
             </a:fld>
             <a:endParaRPr lang="en-US"/>
           </a:p>
@@ -1827,7 +1828,7 @@
           <a:p>
             <a:fld id="{5C50EC8F-F811-4795-AFF2-54C8E0E86AFD}" type="datetimeFigureOut">
               <a:rPr lang="en-US" smtClean="0"/>
-              <a:t>10/13/2015</a:t>
+              <a:t>10/16/2015</a:t>
             </a:fld>
             <a:endParaRPr lang="en-US"/>
           </a:p>
@@ -2104,7 +2105,7 @@
           <a:p>
             <a:fld id="{5C50EC8F-F811-4795-AFF2-54C8E0E86AFD}" type="datetimeFigureOut">
               <a:rPr lang="en-US" smtClean="0"/>
-              <a:t>10/13/2015</a:t>
+              <a:t>10/16/2015</a:t>
             </a:fld>
             <a:endParaRPr lang="en-US"/>
           </a:p>
@@ -2357,7 +2358,7 @@
           <a:p>
             <a:fld id="{5C50EC8F-F811-4795-AFF2-54C8E0E86AFD}" type="datetimeFigureOut">
               <a:rPr lang="en-US" smtClean="0"/>
-              <a:t>10/13/2015</a:t>
+              <a:t>10/16/2015</a:t>
             </a:fld>
             <a:endParaRPr lang="en-US"/>
           </a:p>
@@ -2570,7 +2571,7 @@
           <a:p>
             <a:fld id="{5C50EC8F-F811-4795-AFF2-54C8E0E86AFD}" type="datetimeFigureOut">
               <a:rPr lang="en-US" smtClean="0"/>
-              <a:t>10/13/2015</a:t>
+              <a:t>10/16/2015</a:t>
             </a:fld>
             <a:endParaRPr lang="en-US"/>
           </a:p>
@@ -4801,6 +4802,36 @@
 </p:sld>
 </file>
 
+<file path=ppt/slides/slide8.xml><?xml version="1.0" encoding="utf-8"?>
+<p:sld xmlns:a="http://schemas.openxmlformats.org/drawingml/2006/main" xmlns:r="http://schemas.openxmlformats.org/officeDocument/2006/relationships" xmlns:p="http://schemas.openxmlformats.org/presentationml/2006/main">
+  <p:cSld>
+    <p:spTree>
+      <p:nvGrpSpPr>
+        <p:cNvPr id="1" name=""/>
+        <p:cNvGrpSpPr/>
+        <p:nvPr/>
+      </p:nvGrpSpPr>
+      <p:grpSpPr>
+        <a:xfrm>
+          <a:off x="0" y="0"/>
+          <a:ext cx="0" cy="0"/>
+          <a:chOff x="0" y="0"/>
+          <a:chExt cx="0" cy="0"/>
+        </a:xfrm>
+      </p:grpSpPr>
+    </p:spTree>
+    <p:extLst>
+      <p:ext uri="{BB962C8B-B14F-4D97-AF65-F5344CB8AC3E}">
+        <p14:creationId xmlns:p14="http://schemas.microsoft.com/office/powerpoint/2010/main" val="889542734"/>
+      </p:ext>
+    </p:extLst>
+  </p:cSld>
+  <p:clrMapOvr>
+    <a:masterClrMapping/>
+  </p:clrMapOvr>
+</p:sld>
+</file>
+
 <file path=ppt/theme/theme1.xml><?xml version="1.0" encoding="utf-8"?>
 <a:theme xmlns:a="http://schemas.openxmlformats.org/drawingml/2006/main" name="Office Theme">
   <a:themeElements>
